--- a/journalWallFriction/pictures/pdf/twoRobotRegionV.pptx
+++ b/journalWallFriction/pictures/pdf/twoRobotRegionV.pptx
@@ -104,6 +104,22 @@
       </a:defRPr>
     </a:lvl9pPr>
   </p:defaultTextStyle>
+  <p:extLst>
+    <p:ext uri="{EFAFB233-063F-42B5-8137-9DF3F51BA10A}">
+      <p15:sldGuideLst xmlns:p15="http://schemas.microsoft.com/office/powerpoint/2012/main">
+        <p15:guide id="1" orient="horz" pos="2160">
+          <p15:clr>
+            <a:srgbClr val="A4A3A4"/>
+          </p15:clr>
+        </p15:guide>
+        <p15:guide id="2" pos="2160">
+          <p15:clr>
+            <a:srgbClr val="A4A3A4"/>
+          </p15:clr>
+        </p15:guide>
+      </p15:sldGuideLst>
+    </p:ext>
+  </p:extLst>
 </p:presentation>
 </file>
 
@@ -145,10 +161,9 @@
           <a:lstStyle/>
           <a:p>
             <a:r>
-              <a:rPr lang="en-US" smtClean="0"/>
+              <a:rPr lang="en-US"/>
               <a:t>Click to edit Master title style</a:t>
             </a:r>
-            <a:endParaRPr lang="en-US"/>
           </a:p>
         </p:txBody>
       </p:sp>
@@ -264,10 +279,9 @@
           </a:lstStyle>
           <a:p>
             <a:r>
-              <a:rPr lang="en-US" smtClean="0"/>
+              <a:rPr lang="en-US"/>
               <a:t>Click to edit Master subtitle style</a:t>
             </a:r>
-            <a:endParaRPr lang="en-US"/>
           </a:p>
         </p:txBody>
       </p:sp>
@@ -288,7 +302,7 @@
           <a:p>
             <a:fld id="{F6D6B451-1FDA-7B46-B0DD-5E4B6F79F8BF}" type="datetimeFigureOut">
               <a:rPr lang="en-US" smtClean="0"/>
-              <a:t>2/27/17</a:t>
+              <a:t>4/17/18</a:t>
             </a:fld>
             <a:endParaRPr lang="en-US"/>
           </a:p>
@@ -382,10 +396,9 @@
           <a:lstStyle/>
           <a:p>
             <a:r>
-              <a:rPr lang="en-US" smtClean="0"/>
+              <a:rPr lang="en-US"/>
               <a:t>Click to edit Master title style</a:t>
             </a:r>
-            <a:endParaRPr lang="en-US"/>
           </a:p>
         </p:txBody>
       </p:sp>
@@ -406,38 +419,37 @@
           <a:p>
             <a:pPr lvl="0"/>
             <a:r>
-              <a:rPr lang="en-US" smtClean="0"/>
+              <a:rPr lang="en-US"/>
               <a:t>Click to edit Master text styles</a:t>
             </a:r>
           </a:p>
           <a:p>
             <a:pPr lvl="1"/>
             <a:r>
-              <a:rPr lang="en-US" smtClean="0"/>
+              <a:rPr lang="en-US"/>
               <a:t>Second level</a:t>
             </a:r>
           </a:p>
           <a:p>
             <a:pPr lvl="2"/>
             <a:r>
-              <a:rPr lang="en-US" smtClean="0"/>
+              <a:rPr lang="en-US"/>
               <a:t>Third level</a:t>
             </a:r>
           </a:p>
           <a:p>
             <a:pPr lvl="3"/>
             <a:r>
-              <a:rPr lang="en-US" smtClean="0"/>
+              <a:rPr lang="en-US"/>
               <a:t>Fourth level</a:t>
             </a:r>
           </a:p>
           <a:p>
             <a:pPr lvl="4"/>
             <a:r>
-              <a:rPr lang="en-US" smtClean="0"/>
+              <a:rPr lang="en-US"/>
               <a:t>Fifth level</a:t>
             </a:r>
-            <a:endParaRPr lang="en-US"/>
           </a:p>
         </p:txBody>
       </p:sp>
@@ -458,7 +470,7 @@
           <a:p>
             <a:fld id="{F6D6B451-1FDA-7B46-B0DD-5E4B6F79F8BF}" type="datetimeFigureOut">
               <a:rPr lang="en-US" smtClean="0"/>
-              <a:t>2/27/17</a:t>
+              <a:t>4/17/18</a:t>
             </a:fld>
             <a:endParaRPr lang="en-US"/>
           </a:p>
@@ -557,10 +569,9 @@
           <a:lstStyle/>
           <a:p>
             <a:r>
-              <a:rPr lang="en-US" smtClean="0"/>
+              <a:rPr lang="en-US"/>
               <a:t>Click to edit Master title style</a:t>
             </a:r>
-            <a:endParaRPr lang="en-US"/>
           </a:p>
         </p:txBody>
       </p:sp>
@@ -586,38 +597,37 @@
           <a:p>
             <a:pPr lvl="0"/>
             <a:r>
-              <a:rPr lang="en-US" smtClean="0"/>
+              <a:rPr lang="en-US"/>
               <a:t>Click to edit Master text styles</a:t>
             </a:r>
           </a:p>
           <a:p>
             <a:pPr lvl="1"/>
             <a:r>
-              <a:rPr lang="en-US" smtClean="0"/>
+              <a:rPr lang="en-US"/>
               <a:t>Second level</a:t>
             </a:r>
           </a:p>
           <a:p>
             <a:pPr lvl="2"/>
             <a:r>
-              <a:rPr lang="en-US" smtClean="0"/>
+              <a:rPr lang="en-US"/>
               <a:t>Third level</a:t>
             </a:r>
           </a:p>
           <a:p>
             <a:pPr lvl="3"/>
             <a:r>
-              <a:rPr lang="en-US" smtClean="0"/>
+              <a:rPr lang="en-US"/>
               <a:t>Fourth level</a:t>
             </a:r>
           </a:p>
           <a:p>
             <a:pPr lvl="4"/>
             <a:r>
-              <a:rPr lang="en-US" smtClean="0"/>
+              <a:rPr lang="en-US"/>
               <a:t>Fifth level</a:t>
             </a:r>
-            <a:endParaRPr lang="en-US"/>
           </a:p>
         </p:txBody>
       </p:sp>
@@ -638,7 +648,7 @@
           <a:p>
             <a:fld id="{F6D6B451-1FDA-7B46-B0DD-5E4B6F79F8BF}" type="datetimeFigureOut">
               <a:rPr lang="en-US" smtClean="0"/>
-              <a:t>2/27/17</a:t>
+              <a:t>4/17/18</a:t>
             </a:fld>
             <a:endParaRPr lang="en-US"/>
           </a:p>
@@ -732,10 +742,9 @@
           <a:lstStyle/>
           <a:p>
             <a:r>
-              <a:rPr lang="en-US" smtClean="0"/>
+              <a:rPr lang="en-US"/>
               <a:t>Click to edit Master title style</a:t>
             </a:r>
-            <a:endParaRPr lang="en-US"/>
           </a:p>
         </p:txBody>
       </p:sp>
@@ -756,38 +765,37 @@
           <a:p>
             <a:pPr lvl="0"/>
             <a:r>
-              <a:rPr lang="en-US" smtClean="0"/>
+              <a:rPr lang="en-US"/>
               <a:t>Click to edit Master text styles</a:t>
             </a:r>
           </a:p>
           <a:p>
             <a:pPr lvl="1"/>
             <a:r>
-              <a:rPr lang="en-US" smtClean="0"/>
+              <a:rPr lang="en-US"/>
               <a:t>Second level</a:t>
             </a:r>
           </a:p>
           <a:p>
             <a:pPr lvl="2"/>
             <a:r>
-              <a:rPr lang="en-US" smtClean="0"/>
+              <a:rPr lang="en-US"/>
               <a:t>Third level</a:t>
             </a:r>
           </a:p>
           <a:p>
             <a:pPr lvl="3"/>
             <a:r>
-              <a:rPr lang="en-US" smtClean="0"/>
+              <a:rPr lang="en-US"/>
               <a:t>Fourth level</a:t>
             </a:r>
           </a:p>
           <a:p>
             <a:pPr lvl="4"/>
             <a:r>
-              <a:rPr lang="en-US" smtClean="0"/>
+              <a:rPr lang="en-US"/>
               <a:t>Fifth level</a:t>
             </a:r>
-            <a:endParaRPr lang="en-US"/>
           </a:p>
         </p:txBody>
       </p:sp>
@@ -808,7 +816,7 @@
           <a:p>
             <a:fld id="{F6D6B451-1FDA-7B46-B0DD-5E4B6F79F8BF}" type="datetimeFigureOut">
               <a:rPr lang="en-US" smtClean="0"/>
-              <a:t>2/27/17</a:t>
+              <a:t>4/17/18</a:t>
             </a:fld>
             <a:endParaRPr lang="en-US"/>
           </a:p>
@@ -911,10 +919,9 @@
           </a:lstStyle>
           <a:p>
             <a:r>
-              <a:rPr lang="en-US" smtClean="0"/>
+              <a:rPr lang="en-US"/>
               <a:t>Click to edit Master title style</a:t>
             </a:r>
-            <a:endParaRPr lang="en-US"/>
           </a:p>
         </p:txBody>
       </p:sp>
@@ -1031,7 +1038,7 @@
           <a:p>
             <a:pPr lvl="0"/>
             <a:r>
-              <a:rPr lang="en-US" smtClean="0"/>
+              <a:rPr lang="en-US"/>
               <a:t>Click to edit Master text styles</a:t>
             </a:r>
           </a:p>
@@ -1054,7 +1061,7 @@
           <a:p>
             <a:fld id="{F6D6B451-1FDA-7B46-B0DD-5E4B6F79F8BF}" type="datetimeFigureOut">
               <a:rPr lang="en-US" smtClean="0"/>
-              <a:t>2/27/17</a:t>
+              <a:t>4/17/18</a:t>
             </a:fld>
             <a:endParaRPr lang="en-US"/>
           </a:p>
@@ -1148,10 +1155,9 @@
           <a:lstStyle/>
           <a:p>
             <a:r>
-              <a:rPr lang="en-US" smtClean="0"/>
+              <a:rPr lang="en-US"/>
               <a:t>Click to edit Master title style</a:t>
             </a:r>
-            <a:endParaRPr lang="en-US"/>
           </a:p>
         </p:txBody>
       </p:sp>
@@ -1205,38 +1211,37 @@
           <a:p>
             <a:pPr lvl="0"/>
             <a:r>
-              <a:rPr lang="en-US" smtClean="0"/>
+              <a:rPr lang="en-US"/>
               <a:t>Click to edit Master text styles</a:t>
             </a:r>
           </a:p>
           <a:p>
             <a:pPr lvl="1"/>
             <a:r>
-              <a:rPr lang="en-US" smtClean="0"/>
+              <a:rPr lang="en-US"/>
               <a:t>Second level</a:t>
             </a:r>
           </a:p>
           <a:p>
             <a:pPr lvl="2"/>
             <a:r>
-              <a:rPr lang="en-US" smtClean="0"/>
+              <a:rPr lang="en-US"/>
               <a:t>Third level</a:t>
             </a:r>
           </a:p>
           <a:p>
             <a:pPr lvl="3"/>
             <a:r>
-              <a:rPr lang="en-US" smtClean="0"/>
+              <a:rPr lang="en-US"/>
               <a:t>Fourth level</a:t>
             </a:r>
           </a:p>
           <a:p>
             <a:pPr lvl="4"/>
             <a:r>
-              <a:rPr lang="en-US" smtClean="0"/>
+              <a:rPr lang="en-US"/>
               <a:t>Fifth level</a:t>
             </a:r>
-            <a:endParaRPr lang="en-US"/>
           </a:p>
         </p:txBody>
       </p:sp>
@@ -1290,38 +1295,37 @@
           <a:p>
             <a:pPr lvl="0"/>
             <a:r>
-              <a:rPr lang="en-US" smtClean="0"/>
+              <a:rPr lang="en-US"/>
               <a:t>Click to edit Master text styles</a:t>
             </a:r>
           </a:p>
           <a:p>
             <a:pPr lvl="1"/>
             <a:r>
-              <a:rPr lang="en-US" smtClean="0"/>
+              <a:rPr lang="en-US"/>
               <a:t>Second level</a:t>
             </a:r>
           </a:p>
           <a:p>
             <a:pPr lvl="2"/>
             <a:r>
-              <a:rPr lang="en-US" smtClean="0"/>
+              <a:rPr lang="en-US"/>
               <a:t>Third level</a:t>
             </a:r>
           </a:p>
           <a:p>
             <a:pPr lvl="3"/>
             <a:r>
-              <a:rPr lang="en-US" smtClean="0"/>
+              <a:rPr lang="en-US"/>
               <a:t>Fourth level</a:t>
             </a:r>
           </a:p>
           <a:p>
             <a:pPr lvl="4"/>
             <a:r>
-              <a:rPr lang="en-US" smtClean="0"/>
+              <a:rPr lang="en-US"/>
               <a:t>Fifth level</a:t>
             </a:r>
-            <a:endParaRPr lang="en-US"/>
           </a:p>
         </p:txBody>
       </p:sp>
@@ -1342,7 +1346,7 @@
           <a:p>
             <a:fld id="{F6D6B451-1FDA-7B46-B0DD-5E4B6F79F8BF}" type="datetimeFigureOut">
               <a:rPr lang="en-US" smtClean="0"/>
-              <a:t>2/27/17</a:t>
+              <a:t>4/17/18</a:t>
             </a:fld>
             <a:endParaRPr lang="en-US"/>
           </a:p>
@@ -1445,10 +1449,9 @@
           </a:lstStyle>
           <a:p>
             <a:r>
-              <a:rPr lang="en-US" smtClean="0"/>
+              <a:rPr lang="en-US"/>
               <a:t>Click to edit Master title style</a:t>
             </a:r>
-            <a:endParaRPr lang="en-US"/>
           </a:p>
         </p:txBody>
       </p:sp>
@@ -1511,7 +1514,7 @@
           <a:p>
             <a:pPr lvl="0"/>
             <a:r>
-              <a:rPr lang="en-US" smtClean="0"/>
+              <a:rPr lang="en-US"/>
               <a:t>Click to edit Master text styles</a:t>
             </a:r>
           </a:p>
@@ -1567,38 +1570,37 @@
           <a:p>
             <a:pPr lvl="0"/>
             <a:r>
-              <a:rPr lang="en-US" smtClean="0"/>
+              <a:rPr lang="en-US"/>
               <a:t>Click to edit Master text styles</a:t>
             </a:r>
           </a:p>
           <a:p>
             <a:pPr lvl="1"/>
             <a:r>
-              <a:rPr lang="en-US" smtClean="0"/>
+              <a:rPr lang="en-US"/>
               <a:t>Second level</a:t>
             </a:r>
           </a:p>
           <a:p>
             <a:pPr lvl="2"/>
             <a:r>
-              <a:rPr lang="en-US" smtClean="0"/>
+              <a:rPr lang="en-US"/>
               <a:t>Third level</a:t>
             </a:r>
           </a:p>
           <a:p>
             <a:pPr lvl="3"/>
             <a:r>
-              <a:rPr lang="en-US" smtClean="0"/>
+              <a:rPr lang="en-US"/>
               <a:t>Fourth level</a:t>
             </a:r>
           </a:p>
           <a:p>
             <a:pPr lvl="4"/>
             <a:r>
-              <a:rPr lang="en-US" smtClean="0"/>
+              <a:rPr lang="en-US"/>
               <a:t>Fifth level</a:t>
             </a:r>
-            <a:endParaRPr lang="en-US"/>
           </a:p>
         </p:txBody>
       </p:sp>
@@ -1661,7 +1663,7 @@
           <a:p>
             <a:pPr lvl="0"/>
             <a:r>
-              <a:rPr lang="en-US" smtClean="0"/>
+              <a:rPr lang="en-US"/>
               <a:t>Click to edit Master text styles</a:t>
             </a:r>
           </a:p>
@@ -1717,38 +1719,37 @@
           <a:p>
             <a:pPr lvl="0"/>
             <a:r>
-              <a:rPr lang="en-US" smtClean="0"/>
+              <a:rPr lang="en-US"/>
               <a:t>Click to edit Master text styles</a:t>
             </a:r>
           </a:p>
           <a:p>
             <a:pPr lvl="1"/>
             <a:r>
-              <a:rPr lang="en-US" smtClean="0"/>
+              <a:rPr lang="en-US"/>
               <a:t>Second level</a:t>
             </a:r>
           </a:p>
           <a:p>
             <a:pPr lvl="2"/>
             <a:r>
-              <a:rPr lang="en-US" smtClean="0"/>
+              <a:rPr lang="en-US"/>
               <a:t>Third level</a:t>
             </a:r>
           </a:p>
           <a:p>
             <a:pPr lvl="3"/>
             <a:r>
-              <a:rPr lang="en-US" smtClean="0"/>
+              <a:rPr lang="en-US"/>
               <a:t>Fourth level</a:t>
             </a:r>
           </a:p>
           <a:p>
             <a:pPr lvl="4"/>
             <a:r>
-              <a:rPr lang="en-US" smtClean="0"/>
+              <a:rPr lang="en-US"/>
               <a:t>Fifth level</a:t>
             </a:r>
-            <a:endParaRPr lang="en-US"/>
           </a:p>
         </p:txBody>
       </p:sp>
@@ -1769,7 +1770,7 @@
           <a:p>
             <a:fld id="{F6D6B451-1FDA-7B46-B0DD-5E4B6F79F8BF}" type="datetimeFigureOut">
               <a:rPr lang="en-US" smtClean="0"/>
-              <a:t>2/27/17</a:t>
+              <a:t>4/17/18</a:t>
             </a:fld>
             <a:endParaRPr lang="en-US"/>
           </a:p>
@@ -1863,10 +1864,9 @@
           <a:lstStyle/>
           <a:p>
             <a:r>
-              <a:rPr lang="en-US" smtClean="0"/>
+              <a:rPr lang="en-US"/>
               <a:t>Click to edit Master title style</a:t>
             </a:r>
-            <a:endParaRPr lang="en-US"/>
           </a:p>
         </p:txBody>
       </p:sp>
@@ -1887,7 +1887,7 @@
           <a:p>
             <a:fld id="{F6D6B451-1FDA-7B46-B0DD-5E4B6F79F8BF}" type="datetimeFigureOut">
               <a:rPr lang="en-US" smtClean="0"/>
-              <a:t>2/27/17</a:t>
+              <a:t>4/17/18</a:t>
             </a:fld>
             <a:endParaRPr lang="en-US"/>
           </a:p>
@@ -1982,7 +1982,7 @@
           <a:p>
             <a:fld id="{F6D6B451-1FDA-7B46-B0DD-5E4B6F79F8BF}" type="datetimeFigureOut">
               <a:rPr lang="en-US" smtClean="0"/>
-              <a:t>2/27/17</a:t>
+              <a:t>4/17/18</a:t>
             </a:fld>
             <a:endParaRPr lang="en-US"/>
           </a:p>
@@ -2085,10 +2085,9 @@
           </a:lstStyle>
           <a:p>
             <a:r>
-              <a:rPr lang="en-US" smtClean="0"/>
+              <a:rPr lang="en-US"/>
               <a:t>Click to edit Master title style</a:t>
             </a:r>
-            <a:endParaRPr lang="en-US"/>
           </a:p>
         </p:txBody>
       </p:sp>
@@ -2142,38 +2141,37 @@
           <a:p>
             <a:pPr lvl="0"/>
             <a:r>
-              <a:rPr lang="en-US" smtClean="0"/>
+              <a:rPr lang="en-US"/>
               <a:t>Click to edit Master text styles</a:t>
             </a:r>
           </a:p>
           <a:p>
             <a:pPr lvl="1"/>
             <a:r>
-              <a:rPr lang="en-US" smtClean="0"/>
+              <a:rPr lang="en-US"/>
               <a:t>Second level</a:t>
             </a:r>
           </a:p>
           <a:p>
             <a:pPr lvl="2"/>
             <a:r>
-              <a:rPr lang="en-US" smtClean="0"/>
+              <a:rPr lang="en-US"/>
               <a:t>Third level</a:t>
             </a:r>
           </a:p>
           <a:p>
             <a:pPr lvl="3"/>
             <a:r>
-              <a:rPr lang="en-US" smtClean="0"/>
+              <a:rPr lang="en-US"/>
               <a:t>Fourth level</a:t>
             </a:r>
           </a:p>
           <a:p>
             <a:pPr lvl="4"/>
             <a:r>
-              <a:rPr lang="en-US" smtClean="0"/>
+              <a:rPr lang="en-US"/>
               <a:t>Fifth level</a:t>
             </a:r>
-            <a:endParaRPr lang="en-US"/>
           </a:p>
         </p:txBody>
       </p:sp>
@@ -2236,7 +2234,7 @@
           <a:p>
             <a:pPr lvl="0"/>
             <a:r>
-              <a:rPr lang="en-US" smtClean="0"/>
+              <a:rPr lang="en-US"/>
               <a:t>Click to edit Master text styles</a:t>
             </a:r>
           </a:p>
@@ -2259,7 +2257,7 @@
           <a:p>
             <a:fld id="{F6D6B451-1FDA-7B46-B0DD-5E4B6F79F8BF}" type="datetimeFigureOut">
               <a:rPr lang="en-US" smtClean="0"/>
-              <a:t>2/27/17</a:t>
+              <a:t>4/17/18</a:t>
             </a:fld>
             <a:endParaRPr lang="en-US"/>
           </a:p>
@@ -2362,10 +2360,9 @@
           </a:lstStyle>
           <a:p>
             <a:r>
-              <a:rPr lang="en-US" smtClean="0"/>
+              <a:rPr lang="en-US"/>
               <a:t>Click to edit Master title style</a:t>
             </a:r>
-            <a:endParaRPr lang="en-US"/>
           </a:p>
         </p:txBody>
       </p:sp>
@@ -2489,7 +2486,7 @@
           <a:p>
             <a:pPr lvl="0"/>
             <a:r>
-              <a:rPr lang="en-US" smtClean="0"/>
+              <a:rPr lang="en-US"/>
               <a:t>Click to edit Master text styles</a:t>
             </a:r>
           </a:p>
@@ -2512,7 +2509,7 @@
           <a:p>
             <a:fld id="{F6D6B451-1FDA-7B46-B0DD-5E4B6F79F8BF}" type="datetimeFigureOut">
               <a:rPr lang="en-US" smtClean="0"/>
-              <a:t>2/27/17</a:t>
+              <a:t>4/17/18</a:t>
             </a:fld>
             <a:endParaRPr lang="en-US"/>
           </a:p>
@@ -2621,10 +2618,9 @@
           <a:lstStyle/>
           <a:p>
             <a:r>
-              <a:rPr lang="en-US" smtClean="0"/>
+              <a:rPr lang="en-US"/>
               <a:t>Click to edit Master title style</a:t>
             </a:r>
-            <a:endParaRPr lang="en-US"/>
           </a:p>
         </p:txBody>
       </p:sp>
@@ -2655,38 +2651,37 @@
           <a:p>
             <a:pPr lvl="0"/>
             <a:r>
-              <a:rPr lang="en-US" smtClean="0"/>
+              <a:rPr lang="en-US"/>
               <a:t>Click to edit Master text styles</a:t>
             </a:r>
           </a:p>
           <a:p>
             <a:pPr lvl="1"/>
             <a:r>
-              <a:rPr lang="en-US" smtClean="0"/>
+              <a:rPr lang="en-US"/>
               <a:t>Second level</a:t>
             </a:r>
           </a:p>
           <a:p>
             <a:pPr lvl="2"/>
             <a:r>
-              <a:rPr lang="en-US" smtClean="0"/>
+              <a:rPr lang="en-US"/>
               <a:t>Third level</a:t>
             </a:r>
           </a:p>
           <a:p>
             <a:pPr lvl="3"/>
             <a:r>
-              <a:rPr lang="en-US" smtClean="0"/>
+              <a:rPr lang="en-US"/>
               <a:t>Fourth level</a:t>
             </a:r>
           </a:p>
           <a:p>
             <a:pPr lvl="4"/>
             <a:r>
-              <a:rPr lang="en-US" smtClean="0"/>
+              <a:rPr lang="en-US"/>
               <a:t>Fifth level</a:t>
             </a:r>
-            <a:endParaRPr lang="en-US"/>
           </a:p>
         </p:txBody>
       </p:sp>
@@ -2725,7 +2720,7 @@
           <a:p>
             <a:fld id="{F6D6B451-1FDA-7B46-B0DD-5E4B6F79F8BF}" type="datetimeFigureOut">
               <a:rPr lang="en-US" smtClean="0"/>
-              <a:t>2/27/17</a:t>
+              <a:t>4/17/18</a:t>
             </a:fld>
             <a:endParaRPr lang="en-US"/>
           </a:p>
@@ -3274,23 +3269,19 @@
           <a:lstStyle/>
           <a:p>
             <a:r>
-              <a:rPr lang="en-US" sz="4800" b="1" i="1" dirty="0" smtClean="0">
+              <a:rPr lang="en-US" sz="4800" b="1" i="1" dirty="0">
                 <a:latin typeface="Times New Roman"/>
                 <a:cs typeface="Times New Roman"/>
               </a:rPr>
-              <a:t>r</a:t>
-            </a:r>
-            <a:r>
-              <a:rPr lang="en-US" sz="4800" b="1" i="1" baseline="-25000" dirty="0" smtClean="0">
+              <a:t>s</a:t>
+            </a:r>
+            <a:r>
+              <a:rPr lang="en-US" sz="4800" b="1" i="1" baseline="-25000" dirty="0">
                 <a:latin typeface="Times New Roman"/>
                 <a:cs typeface="Times New Roman"/>
               </a:rPr>
               <a:t>1</a:t>
             </a:r>
-            <a:endParaRPr lang="en-US" sz="4800" b="1" i="1" baseline="-25000" dirty="0">
-              <a:latin typeface="Times New Roman"/>
-              <a:cs typeface="Times New Roman"/>
-            </a:endParaRPr>
           </a:p>
         </p:txBody>
       </p:sp>
@@ -3317,30 +3308,26 @@
           <a:lstStyle/>
           <a:p>
             <a:r>
-              <a:rPr lang="en-US" sz="4800" dirty="0" smtClean="0">
+              <a:rPr lang="en-US" sz="4800" dirty="0">
                 <a:latin typeface="Times New Roman"/>
                 <a:cs typeface="Times New Roman"/>
               </a:rPr>
               <a:t>Reachable set for </a:t>
             </a:r>
             <a:r>
-              <a:rPr lang="en-US" sz="4800" i="1" dirty="0" smtClean="0">
+              <a:rPr lang="en-US" sz="4800" i="1" dirty="0">
                 <a:latin typeface="Times New Roman"/>
                 <a:cs typeface="Times New Roman"/>
               </a:rPr>
-              <a:t>r</a:t>
-            </a:r>
-            <a:r>
-              <a:rPr lang="en-US" sz="4800" i="1" baseline="-25000" dirty="0" smtClean="0">
+              <a:t>s</a:t>
+            </a:r>
+            <a:r>
+              <a:rPr lang="en-US" sz="4800" i="1" baseline="-25000" dirty="0">
                 <a:latin typeface="Times New Roman"/>
                 <a:cs typeface="Times New Roman"/>
               </a:rPr>
               <a:t>1</a:t>
             </a:r>
-            <a:endParaRPr lang="en-US" sz="4800" i="1" baseline="-25000" dirty="0">
-              <a:latin typeface="Times New Roman"/>
-              <a:cs typeface="Times New Roman"/>
-            </a:endParaRPr>
           </a:p>
         </p:txBody>
       </p:sp>
@@ -3404,30 +3391,26 @@
           <a:lstStyle/>
           <a:p>
             <a:r>
-              <a:rPr lang="en-US" sz="4800" i="1" dirty="0" smtClean="0">
+              <a:rPr lang="en-US" sz="4800" i="1" dirty="0">
                 <a:latin typeface="Times New Roman"/>
                 <a:cs typeface="Times New Roman"/>
               </a:rPr>
-              <a:t>L- r</a:t>
-            </a:r>
-            <a:r>
-              <a:rPr lang="en-US" sz="4800" i="1" baseline="-25000" dirty="0" smtClean="0">
+              <a:t>L- s</a:t>
+            </a:r>
+            <a:r>
+              <a:rPr lang="en-US" sz="4800" i="1" baseline="-25000" dirty="0">
                 <a:latin typeface="Times New Roman"/>
                 <a:cs typeface="Times New Roman"/>
               </a:rPr>
               <a:t>1</a:t>
             </a:r>
             <a:r>
-              <a:rPr lang="en-US" sz="4800" i="1" dirty="0" smtClean="0">
+              <a:rPr lang="en-US" sz="4800" i="1" dirty="0">
                 <a:latin typeface="Times New Roman"/>
                 <a:cs typeface="Times New Roman"/>
               </a:rPr>
               <a:t>.y</a:t>
             </a:r>
-            <a:endParaRPr lang="en-US" sz="4800" i="1" dirty="0">
-              <a:latin typeface="Times New Roman"/>
-              <a:cs typeface="Times New Roman"/>
-            </a:endParaRPr>
           </a:p>
         </p:txBody>
       </p:sp>
@@ -3491,30 +3474,26 @@
           <a:lstStyle/>
           <a:p>
             <a:r>
-              <a:rPr lang="en-US" sz="4800" i="1" dirty="0" smtClean="0">
+              <a:rPr lang="en-US" sz="4800" i="1" dirty="0">
                 <a:latin typeface="Times New Roman"/>
                 <a:cs typeface="Times New Roman"/>
               </a:rPr>
-              <a:t>L-r</a:t>
-            </a:r>
-            <a:r>
-              <a:rPr lang="en-US" sz="4800" i="1" baseline="-25000" dirty="0" smtClean="0">
+              <a:t>L-s</a:t>
+            </a:r>
+            <a:r>
+              <a:rPr lang="en-US" sz="4800" i="1" baseline="-25000" dirty="0">
                 <a:latin typeface="Times New Roman"/>
                 <a:cs typeface="Times New Roman"/>
               </a:rPr>
               <a:t>1</a:t>
             </a:r>
             <a:r>
-              <a:rPr lang="en-US" sz="4800" i="1" dirty="0" smtClean="0">
+              <a:rPr lang="en-US" sz="4800" i="1" dirty="0">
                 <a:latin typeface="Times New Roman"/>
                 <a:cs typeface="Times New Roman"/>
               </a:rPr>
               <a:t>.y</a:t>
             </a:r>
-            <a:endParaRPr lang="en-US" sz="4800" i="1" dirty="0">
-              <a:latin typeface="Times New Roman"/>
-              <a:cs typeface="Times New Roman"/>
-            </a:endParaRPr>
           </a:p>
         </p:txBody>
       </p:sp>
@@ -3545,19 +3524,15 @@
                 <a:latin typeface="Times New Roman"/>
                 <a:cs typeface="Times New Roman"/>
               </a:rPr>
-              <a:t>r</a:t>
-            </a:r>
-            <a:r>
-              <a:rPr lang="en-US" sz="4800" b="1" i="1" baseline="-25000" dirty="0" smtClean="0">
+              <a:t>s</a:t>
+            </a:r>
+            <a:r>
+              <a:rPr lang="en-US" sz="4800" b="1" i="1" baseline="-25000" dirty="0">
                 <a:latin typeface="Times New Roman"/>
                 <a:cs typeface="Times New Roman"/>
               </a:rPr>
               <a:t>2</a:t>
             </a:r>
-            <a:endParaRPr lang="en-US" sz="4800" b="1" i="1" baseline="-25000" dirty="0">
-              <a:latin typeface="Times New Roman"/>
-              <a:cs typeface="Times New Roman"/>
-            </a:endParaRPr>
           </a:p>
         </p:txBody>
       </p:sp>

--- a/journalWallFriction/pictures/pdf/twoRobotRegionV.pptx
+++ b/journalWallFriction/pictures/pdf/twoRobotRegionV.pptx
@@ -302,7 +302,7 @@
           <a:p>
             <a:fld id="{F6D6B451-1FDA-7B46-B0DD-5E4B6F79F8BF}" type="datetimeFigureOut">
               <a:rPr lang="en-US" smtClean="0"/>
-              <a:t>4/17/18</a:t>
+              <a:t>5/22/18</a:t>
             </a:fld>
             <a:endParaRPr lang="en-US"/>
           </a:p>
@@ -470,7 +470,7 @@
           <a:p>
             <a:fld id="{F6D6B451-1FDA-7B46-B0DD-5E4B6F79F8BF}" type="datetimeFigureOut">
               <a:rPr lang="en-US" smtClean="0"/>
-              <a:t>4/17/18</a:t>
+              <a:t>5/22/18</a:t>
             </a:fld>
             <a:endParaRPr lang="en-US"/>
           </a:p>
@@ -648,7 +648,7 @@
           <a:p>
             <a:fld id="{F6D6B451-1FDA-7B46-B0DD-5E4B6F79F8BF}" type="datetimeFigureOut">
               <a:rPr lang="en-US" smtClean="0"/>
-              <a:t>4/17/18</a:t>
+              <a:t>5/22/18</a:t>
             </a:fld>
             <a:endParaRPr lang="en-US"/>
           </a:p>
@@ -816,7 +816,7 @@
           <a:p>
             <a:fld id="{F6D6B451-1FDA-7B46-B0DD-5E4B6F79F8BF}" type="datetimeFigureOut">
               <a:rPr lang="en-US" smtClean="0"/>
-              <a:t>4/17/18</a:t>
+              <a:t>5/22/18</a:t>
             </a:fld>
             <a:endParaRPr lang="en-US"/>
           </a:p>
@@ -1061,7 +1061,7 @@
           <a:p>
             <a:fld id="{F6D6B451-1FDA-7B46-B0DD-5E4B6F79F8BF}" type="datetimeFigureOut">
               <a:rPr lang="en-US" smtClean="0"/>
-              <a:t>4/17/18</a:t>
+              <a:t>5/22/18</a:t>
             </a:fld>
             <a:endParaRPr lang="en-US"/>
           </a:p>
@@ -1346,7 +1346,7 @@
           <a:p>
             <a:fld id="{F6D6B451-1FDA-7B46-B0DD-5E4B6F79F8BF}" type="datetimeFigureOut">
               <a:rPr lang="en-US" smtClean="0"/>
-              <a:t>4/17/18</a:t>
+              <a:t>5/22/18</a:t>
             </a:fld>
             <a:endParaRPr lang="en-US"/>
           </a:p>
@@ -1770,7 +1770,7 @@
           <a:p>
             <a:fld id="{F6D6B451-1FDA-7B46-B0DD-5E4B6F79F8BF}" type="datetimeFigureOut">
               <a:rPr lang="en-US" smtClean="0"/>
-              <a:t>4/17/18</a:t>
+              <a:t>5/22/18</a:t>
             </a:fld>
             <a:endParaRPr lang="en-US"/>
           </a:p>
@@ -1887,7 +1887,7 @@
           <a:p>
             <a:fld id="{F6D6B451-1FDA-7B46-B0DD-5E4B6F79F8BF}" type="datetimeFigureOut">
               <a:rPr lang="en-US" smtClean="0"/>
-              <a:t>4/17/18</a:t>
+              <a:t>5/22/18</a:t>
             </a:fld>
             <a:endParaRPr lang="en-US"/>
           </a:p>
@@ -1982,7 +1982,7 @@
           <a:p>
             <a:fld id="{F6D6B451-1FDA-7B46-B0DD-5E4B6F79F8BF}" type="datetimeFigureOut">
               <a:rPr lang="en-US" smtClean="0"/>
-              <a:t>4/17/18</a:t>
+              <a:t>5/22/18</a:t>
             </a:fld>
             <a:endParaRPr lang="en-US"/>
           </a:p>
@@ -2257,7 +2257,7 @@
           <a:p>
             <a:fld id="{F6D6B451-1FDA-7B46-B0DD-5E4B6F79F8BF}" type="datetimeFigureOut">
               <a:rPr lang="en-US" smtClean="0"/>
-              <a:t>4/17/18</a:t>
+              <a:t>5/22/18</a:t>
             </a:fld>
             <a:endParaRPr lang="en-US"/>
           </a:p>
@@ -2509,7 +2509,7 @@
           <a:p>
             <a:fld id="{F6D6B451-1FDA-7B46-B0DD-5E4B6F79F8BF}" type="datetimeFigureOut">
               <a:rPr lang="en-US" smtClean="0"/>
-              <a:t>4/17/18</a:t>
+              <a:t>5/22/18</a:t>
             </a:fld>
             <a:endParaRPr lang="en-US"/>
           </a:p>
@@ -2720,7 +2720,7 @@
           <a:p>
             <a:fld id="{F6D6B451-1FDA-7B46-B0DD-5E4B6F79F8BF}" type="datetimeFigureOut">
               <a:rPr lang="en-US" smtClean="0"/>
-              <a:t>4/17/18</a:t>
+              <a:t>5/22/18</a:t>
             </a:fld>
             <a:endParaRPr lang="en-US"/>
           </a:p>
@@ -3176,11 +3176,9 @@
             <a:avLst/>
           </a:prstGeom>
           <a:solidFill>
-            <a:schemeClr val="accent3">
-              <a:lumMod val="20000"/>
-              <a:lumOff val="80000"/>
-              <a:alpha val="32000"/>
-            </a:schemeClr>
+            <a:srgbClr val="00FF00">
+              <a:alpha val="22745"/>
+            </a:srgbClr>
           </a:solidFill>
           <a:ln>
             <a:noFill/>
@@ -3293,8 +3291,8 @@
         </p:nvSpPr>
         <p:spPr>
           <a:xfrm rot="16200000">
-            <a:off x="4389334" y="4351245"/>
-            <a:ext cx="2861042" cy="1569660"/>
+            <a:off x="4389334" y="4166579"/>
+            <a:ext cx="2861042" cy="1938992"/>
           </a:xfrm>
           <a:prstGeom prst="rect">
             <a:avLst/>
@@ -3308,21 +3306,28 @@
           <a:lstStyle/>
           <a:p>
             <a:r>
-              <a:rPr lang="en-US" sz="4800" dirty="0">
+              <a:rPr lang="en-US" sz="4000">
                 <a:latin typeface="Times New Roman"/>
                 <a:cs typeface="Times New Roman"/>
               </a:rPr>
-              <a:t>Reachable set for </a:t>
-            </a:r>
-            <a:r>
-              <a:rPr lang="en-US" sz="4800" i="1" dirty="0">
+              <a:t>2-move reachable </a:t>
+            </a:r>
+            <a:r>
+              <a:rPr lang="en-US" sz="4000" dirty="0">
+                <a:latin typeface="Times New Roman"/>
+                <a:cs typeface="Times New Roman"/>
+              </a:rPr>
+              <a:t>set for </a:t>
+            </a:r>
+            <a:r>
+              <a:rPr lang="en-US" sz="4000" i="1" dirty="0">
                 <a:latin typeface="Times New Roman"/>
                 <a:cs typeface="Times New Roman"/>
               </a:rPr>
               <a:t>s</a:t>
             </a:r>
             <a:r>
-              <a:rPr lang="en-US" sz="4800" i="1" baseline="-25000" dirty="0">
+              <a:rPr lang="en-US" sz="4000" i="1" baseline="-25000" dirty="0">
                 <a:latin typeface="Times New Roman"/>
                 <a:cs typeface="Times New Roman"/>
               </a:rPr>
